--- a/Πρώτη παρουσίαση για την ομαδική εργασία του μαθήματος.pptx
+++ b/Πρώτη παρουσίαση για την ομαδική εργασία του μαθήματος.pptx
@@ -300,7 +300,7 @@
             <a:fld id="{EE321D96-92E5-463C-A4D7-BF41368889C5}" type="datetimeFigureOut">
               <a:rPr lang="el-GR" smtClean="0"/>
               <a:pPr/>
-              <a:t>7/11/2016</a:t>
+              <a:t>10/11/2016</a:t>
             </a:fld>
             <a:endParaRPr lang="el-GR"/>
           </a:p>
@@ -467,7 +467,7 @@
             <a:fld id="{EE321D96-92E5-463C-A4D7-BF41368889C5}" type="datetimeFigureOut">
               <a:rPr lang="el-GR" smtClean="0"/>
               <a:pPr/>
-              <a:t>7/11/2016</a:t>
+              <a:t>10/11/2016</a:t>
             </a:fld>
             <a:endParaRPr lang="el-GR"/>
           </a:p>
@@ -644,7 +644,7 @@
             <a:fld id="{EE321D96-92E5-463C-A4D7-BF41368889C5}" type="datetimeFigureOut">
               <a:rPr lang="el-GR" smtClean="0"/>
               <a:pPr/>
-              <a:t>7/11/2016</a:t>
+              <a:t>10/11/2016</a:t>
             </a:fld>
             <a:endParaRPr lang="el-GR"/>
           </a:p>
@@ -811,7 +811,7 @@
             <a:fld id="{EE321D96-92E5-463C-A4D7-BF41368889C5}" type="datetimeFigureOut">
               <a:rPr lang="el-GR" smtClean="0"/>
               <a:pPr/>
-              <a:t>7/11/2016</a:t>
+              <a:t>10/11/2016</a:t>
             </a:fld>
             <a:endParaRPr lang="el-GR"/>
           </a:p>
@@ -1054,7 +1054,7 @@
             <a:fld id="{EE321D96-92E5-463C-A4D7-BF41368889C5}" type="datetimeFigureOut">
               <a:rPr lang="el-GR" smtClean="0"/>
               <a:pPr/>
-              <a:t>7/11/2016</a:t>
+              <a:t>10/11/2016</a:t>
             </a:fld>
             <a:endParaRPr lang="el-GR"/>
           </a:p>
@@ -1339,7 +1339,7 @@
             <a:fld id="{EE321D96-92E5-463C-A4D7-BF41368889C5}" type="datetimeFigureOut">
               <a:rPr lang="el-GR" smtClean="0"/>
               <a:pPr/>
-              <a:t>7/11/2016</a:t>
+              <a:t>10/11/2016</a:t>
             </a:fld>
             <a:endParaRPr lang="el-GR"/>
           </a:p>
@@ -1758,7 +1758,7 @@
             <a:fld id="{EE321D96-92E5-463C-A4D7-BF41368889C5}" type="datetimeFigureOut">
               <a:rPr lang="el-GR" smtClean="0"/>
               <a:pPr/>
-              <a:t>7/11/2016</a:t>
+              <a:t>10/11/2016</a:t>
             </a:fld>
             <a:endParaRPr lang="el-GR"/>
           </a:p>
@@ -1873,7 +1873,7 @@
             <a:fld id="{EE321D96-92E5-463C-A4D7-BF41368889C5}" type="datetimeFigureOut">
               <a:rPr lang="el-GR" smtClean="0"/>
               <a:pPr/>
-              <a:t>7/11/2016</a:t>
+              <a:t>10/11/2016</a:t>
             </a:fld>
             <a:endParaRPr lang="el-GR"/>
           </a:p>
@@ -1965,7 +1965,7 @@
             <a:fld id="{EE321D96-92E5-463C-A4D7-BF41368889C5}" type="datetimeFigureOut">
               <a:rPr lang="el-GR" smtClean="0"/>
               <a:pPr/>
-              <a:t>7/11/2016</a:t>
+              <a:t>10/11/2016</a:t>
             </a:fld>
             <a:endParaRPr lang="el-GR"/>
           </a:p>
@@ -2239,7 +2239,7 @@
             <a:fld id="{EE321D96-92E5-463C-A4D7-BF41368889C5}" type="datetimeFigureOut">
               <a:rPr lang="el-GR" smtClean="0"/>
               <a:pPr/>
-              <a:t>7/11/2016</a:t>
+              <a:t>10/11/2016</a:t>
             </a:fld>
             <a:endParaRPr lang="el-GR"/>
           </a:p>
@@ -2489,7 +2489,7 @@
             <a:fld id="{EE321D96-92E5-463C-A4D7-BF41368889C5}" type="datetimeFigureOut">
               <a:rPr lang="el-GR" smtClean="0"/>
               <a:pPr/>
-              <a:t>7/11/2016</a:t>
+              <a:t>10/11/2016</a:t>
             </a:fld>
             <a:endParaRPr lang="el-GR"/>
           </a:p>
@@ -2699,7 +2699,7 @@
             <a:fld id="{EE321D96-92E5-463C-A4D7-BF41368889C5}" type="datetimeFigureOut">
               <a:rPr lang="el-GR" smtClean="0"/>
               <a:pPr/>
-              <a:t>7/11/2016</a:t>
+              <a:t>10/11/2016</a:t>
             </a:fld>
             <a:endParaRPr lang="el-GR"/>
           </a:p>
@@ -3270,32 +3270,55 @@
               <a:t>και </a:t>
             </a:r>
             <a:r>
+              <a:rPr lang="en-US" dirty="0" err="1" smtClean="0"/>
+              <a:t>Github</a:t>
+            </a:r>
+            <a:r>
+              <a:rPr lang="el-GR" dirty="0" smtClean="0"/>
+              <a:t>.</a:t>
+            </a:r>
+            <a:endParaRPr lang="el-GR" dirty="0" smtClean="0"/>
+          </a:p>
+          <a:p>
+            <a:r>
+              <a:rPr lang="el-GR" dirty="0" smtClean="0"/>
+              <a:t>Πολλά ερωτήματα για τον </a:t>
+            </a:r>
+            <a:r>
               <a:rPr lang="en-US" dirty="0" smtClean="0"/>
-              <a:t>Github</a:t>
+              <a:t>web </a:t>
+            </a:r>
+            <a:r>
+              <a:rPr lang="en-US" dirty="0" smtClean="0"/>
+              <a:t>crawler</a:t>
+            </a:r>
+            <a:r>
+              <a:rPr lang="el-GR" dirty="0" smtClean="0"/>
+              <a:t>.</a:t>
+            </a:r>
+            <a:endParaRPr lang="en-US" dirty="0" smtClean="0"/>
+          </a:p>
+          <a:p>
+            <a:r>
+              <a:rPr lang="el-GR" dirty="0" err="1" smtClean="0"/>
+              <a:t>Υπερπληροφόρηση</a:t>
+            </a:r>
+            <a:r>
+              <a:rPr lang="el-GR" dirty="0" smtClean="0"/>
+              <a:t>. </a:t>
             </a:r>
             <a:endParaRPr lang="el-GR" dirty="0" smtClean="0"/>
           </a:p>
           <a:p>
             <a:r>
               <a:rPr lang="el-GR" dirty="0" smtClean="0"/>
-              <a:t>Πολλά ερωτήματα για τον </a:t>
-            </a:r>
-            <a:r>
-              <a:rPr lang="en-US" dirty="0" smtClean="0"/>
-              <a:t>web crawler</a:t>
-            </a:r>
-          </a:p>
-          <a:p>
-            <a:r>
-              <a:rPr lang="el-GR" dirty="0" smtClean="0"/>
-              <a:t>Υπερπληροφόρηση </a:t>
-            </a:r>
-          </a:p>
-          <a:p>
-            <a:r>
-              <a:rPr lang="el-GR" dirty="0" smtClean="0"/>
-              <a:t>Δυσκολία δόμησης εργασίας</a:t>
-            </a:r>
+              <a:t>Δυσκολία δόμησης </a:t>
+            </a:r>
+            <a:r>
+              <a:rPr lang="el-GR" dirty="0" smtClean="0"/>
+              <a:t>εργασίας.</a:t>
+            </a:r>
+            <a:endParaRPr lang="el-GR" dirty="0" smtClean="0"/>
           </a:p>
         </p:txBody>
       </p:sp>
@@ -3648,8 +3671,13 @@
           <a:p>
             <a:r>
               <a:rPr lang="el-GR" dirty="0" smtClean="0"/>
-              <a:t>Σύνδεση και βελτιστοποίηση ήδη υπαρχόντων κομματιών κώδικα</a:t>
-            </a:r>
+              <a:t>Σύνδεση και βελτιστοποίηση ήδη υπαρχόντων κομματιών </a:t>
+            </a:r>
+            <a:r>
+              <a:rPr lang="el-GR" dirty="0" smtClean="0"/>
+              <a:t>κώδικα.</a:t>
+            </a:r>
+            <a:endParaRPr lang="el-GR" dirty="0" smtClean="0"/>
           </a:p>
           <a:p>
             <a:r>
@@ -3670,14 +3698,24 @@
             </a:r>
             <a:r>
               <a:rPr lang="el-GR" dirty="0" smtClean="0"/>
-              <a:t>περισσότερες από μια ιστοσελίδα .</a:t>
-            </a:r>
-          </a:p>
-          <a:p>
-            <a:r>
-              <a:rPr lang="el-GR" dirty="0" smtClean="0"/>
-              <a:t>Προσπάθεια χρήσης βάσης δεδομένων για αποθήκευση . </a:t>
-            </a:r>
+              <a:t>περισσότερες από μια </a:t>
+            </a:r>
+            <a:r>
+              <a:rPr lang="el-GR" dirty="0" smtClean="0"/>
+              <a:t>ιστοσελίδα.</a:t>
+            </a:r>
+            <a:endParaRPr lang="el-GR" dirty="0" smtClean="0"/>
+          </a:p>
+          <a:p>
+            <a:r>
+              <a:rPr lang="el-GR" dirty="0" smtClean="0"/>
+              <a:t>Προσπάθεια χρήσης βάσης δεδομένων για </a:t>
+            </a:r>
+            <a:r>
+              <a:rPr lang="el-GR" dirty="0" smtClean="0"/>
+              <a:t>αποθήκευση. </a:t>
+            </a:r>
+            <a:endParaRPr lang="el-GR" dirty="0" smtClean="0"/>
           </a:p>
           <a:p>
             <a:r>
@@ -3690,7 +3728,7 @@
             </a:r>
             <a:r>
               <a:rPr lang="el-GR" dirty="0" smtClean="0"/>
-              <a:t> </a:t>
+              <a:t>. </a:t>
             </a:r>
             <a:endParaRPr lang="en-US" dirty="0" smtClean="0"/>
           </a:p>
@@ -4516,8 +4554,13 @@
           <a:p>
             <a:r>
               <a:rPr lang="el-GR" dirty="0" smtClean="0"/>
-              <a:t>Δίωρη εβδομαδιαία συνάντηση</a:t>
-            </a:r>
+              <a:t>Δίωρη εβδομαδιαία </a:t>
+            </a:r>
+            <a:r>
+              <a:rPr lang="el-GR" dirty="0" smtClean="0"/>
+              <a:t>συνάντηση.</a:t>
+            </a:r>
+            <a:endParaRPr lang="el-GR" dirty="0" smtClean="0"/>
           </a:p>
           <a:p>
             <a:r>
@@ -4528,11 +4571,20 @@
               <a:rPr lang="en-US" dirty="0" smtClean="0"/>
               <a:t>Skype</a:t>
             </a:r>
-          </a:p>
-          <a:p>
-            <a:r>
-              <a:rPr lang="el-GR" dirty="0" smtClean="0"/>
-              <a:t>Έκτακτες συναντήσεις </a:t>
+            <a:r>
+              <a:rPr lang="el-GR" dirty="0" smtClean="0"/>
+              <a:t>.</a:t>
+            </a:r>
+            <a:endParaRPr lang="en-US" dirty="0" smtClean="0"/>
+          </a:p>
+          <a:p>
+            <a:r>
+              <a:rPr lang="el-GR" dirty="0" smtClean="0"/>
+              <a:t>Έκτακτες </a:t>
+            </a:r>
+            <a:r>
+              <a:rPr lang="el-GR" dirty="0" smtClean="0"/>
+              <a:t>συναντήσεις.</a:t>
             </a:r>
             <a:endParaRPr lang="en-US" dirty="0" smtClean="0"/>
           </a:p>
@@ -4544,6 +4596,10 @@
             <a:r>
               <a:rPr lang="en-US" dirty="0" smtClean="0"/>
               <a:t>Slack</a:t>
+            </a:r>
+            <a:r>
+              <a:rPr lang="el-GR" dirty="0" smtClean="0"/>
+              <a:t>.</a:t>
             </a:r>
             <a:endParaRPr lang="el-GR" dirty="0"/>
           </a:p>
@@ -4633,24 +4689,40 @@
           <a:p>
             <a:r>
               <a:rPr lang="el-GR" dirty="0" smtClean="0"/>
-              <a:t>Σχηματισμός διμελών ομάδων </a:t>
-            </a:r>
-          </a:p>
-          <a:p>
-            <a:r>
-              <a:rPr lang="el-GR" dirty="0" smtClean="0"/>
-              <a:t>Ανάθεση εβδομαδιαίων εργασιών </a:t>
-            </a:r>
-          </a:p>
-          <a:p>
-            <a:r>
-              <a:rPr lang="el-GR" dirty="0" smtClean="0"/>
-              <a:t>Παρουσίαση προόδου εργασίας</a:t>
-            </a:r>
-          </a:p>
-          <a:p>
-            <a:pPr>
-              <a:buNone/>
+              <a:t>Σχηματισμός διμελών </a:t>
+            </a:r>
+            <a:r>
+              <a:rPr lang="el-GR" dirty="0" smtClean="0"/>
+              <a:t>ομάδων.</a:t>
+            </a:r>
+            <a:endParaRPr lang="el-GR" dirty="0" smtClean="0"/>
+          </a:p>
+          <a:p>
+            <a:r>
+              <a:rPr lang="el-GR" dirty="0" smtClean="0"/>
+              <a:t>Ανάθεση εβδομαδιαίων </a:t>
+            </a:r>
+            <a:r>
+              <a:rPr lang="el-GR" dirty="0" smtClean="0"/>
+              <a:t>εργασιών. </a:t>
+            </a:r>
+            <a:endParaRPr lang="el-GR" dirty="0" smtClean="0"/>
+          </a:p>
+          <a:p>
+            <a:r>
+              <a:rPr lang="el-GR" dirty="0" smtClean="0"/>
+              <a:t>Παρουσίαση προόδου </a:t>
+            </a:r>
+            <a:r>
+              <a:rPr lang="el-GR" dirty="0" smtClean="0"/>
+              <a:t>εργασίας.</a:t>
+            </a:r>
+            <a:endParaRPr lang="el-GR" dirty="0" smtClean="0"/>
+          </a:p>
+          <a:p>
+            <a:pPr lvl="1">
+              <a:buFont typeface="Wingdings" pitchFamily="2" charset="2"/>
+              <a:buChar char="Ø"/>
             </a:pPr>
             <a:r>
               <a:rPr lang="el-GR" dirty="0"/>
@@ -4658,7 +4730,19 @@
             </a:r>
             <a:r>
               <a:rPr lang="el-GR" dirty="0" smtClean="0"/>
-              <a:t>           -&gt; Παρατηρήσεις και διορθώσεις</a:t>
+              <a:t>  </a:t>
+            </a:r>
+            <a:r>
+              <a:rPr lang="el-GR" dirty="0" smtClean="0"/>
+              <a:t>Παρατηρήσεις </a:t>
+            </a:r>
+            <a:r>
+              <a:rPr lang="el-GR" dirty="0" smtClean="0"/>
+              <a:t>και </a:t>
+            </a:r>
+            <a:r>
+              <a:rPr lang="el-GR" dirty="0" smtClean="0"/>
+              <a:t>διορθώσεις.</a:t>
             </a:r>
             <a:endParaRPr lang="el-GR" dirty="0"/>
           </a:p>
@@ -4889,8 +4973,17 @@
             </a:r>
             <a:r>
               <a:rPr lang="en-US" dirty="0" smtClean="0"/>
-              <a:t>Maven, Checkstyle, Findbugs</a:t>
-            </a:r>
+              <a:t>Maven, Checkstyle, </a:t>
+            </a:r>
+            <a:r>
+              <a:rPr lang="en-US" dirty="0" err="1" smtClean="0"/>
+              <a:t>Findbugs</a:t>
+            </a:r>
+            <a:r>
+              <a:rPr lang="el-GR" dirty="0" smtClean="0"/>
+              <a:t>.</a:t>
+            </a:r>
+            <a:endParaRPr lang="en-US" dirty="0" smtClean="0"/>
           </a:p>
           <a:p>
             <a:r>
@@ -4899,8 +4992,17 @@
             </a:r>
             <a:r>
               <a:rPr lang="en-US" dirty="0" smtClean="0"/>
-              <a:t>web crawler</a:t>
-            </a:r>
+              <a:t>web </a:t>
+            </a:r>
+            <a:r>
+              <a:rPr lang="en-US" dirty="0" smtClean="0"/>
+              <a:t>crawler</a:t>
+            </a:r>
+            <a:r>
+              <a:rPr lang="el-GR" dirty="0" smtClean="0"/>
+              <a:t>.</a:t>
+            </a:r>
+            <a:endParaRPr lang="en-US" dirty="0" smtClean="0"/>
           </a:p>
           <a:p>
             <a:r>
@@ -4909,7 +5011,15 @@
             </a:r>
             <a:r>
               <a:rPr lang="en-US" dirty="0" smtClean="0"/>
-              <a:t>JAVA API</a:t>
+              <a:t>JAVA </a:t>
+            </a:r>
+            <a:r>
+              <a:rPr lang="en-US" dirty="0" smtClean="0"/>
+              <a:t>API</a:t>
+            </a:r>
+            <a:r>
+              <a:rPr lang="el-GR" dirty="0" smtClean="0"/>
+              <a:t>.</a:t>
             </a:r>
             <a:endParaRPr lang="el-GR" dirty="0"/>
           </a:p>
@@ -5008,6 +5118,11 @@
               <a:rPr lang="en-US" dirty="0" smtClean="0"/>
               <a:t>website</a:t>
             </a:r>
+            <a:r>
+              <a:rPr lang="el-GR" dirty="0" smtClean="0"/>
+              <a:t>.</a:t>
+            </a:r>
+            <a:endParaRPr lang="en-US" dirty="0" smtClean="0"/>
           </a:p>
           <a:p>
             <a:pPr marL="914400" lvl="1" indent="-514350">
@@ -5042,8 +5157,13 @@
             </a:pPr>
             <a:r>
               <a:rPr lang="el-GR" dirty="0" smtClean="0"/>
-              <a:t>Εντοπισμός μιας συμβολοσειράς σε κάποιο αρχείο κειμένου</a:t>
-            </a:r>
+              <a:t>Εντοπισμός μιας συμβολοσειράς σε κάποιο αρχείο </a:t>
+            </a:r>
+            <a:r>
+              <a:rPr lang="el-GR" dirty="0" smtClean="0"/>
+              <a:t>κειμένου.</a:t>
+            </a:r>
+            <a:endParaRPr lang="el-GR" dirty="0" smtClean="0"/>
           </a:p>
           <a:p>
             <a:pPr marL="514350" indent="-514350"/>
@@ -5062,6 +5182,10 @@
             <a:r>
               <a:rPr lang="en-US" dirty="0" smtClean="0"/>
               <a:t>pom.xml</a:t>
+            </a:r>
+            <a:r>
+              <a:rPr lang="el-GR" dirty="0" smtClean="0"/>
+              <a:t>.</a:t>
             </a:r>
             <a:endParaRPr lang="el-GR" dirty="0" smtClean="0"/>
           </a:p>
